--- a/reference_content/Slides/002_Trees_EDA.pptx
+++ b/reference_content/Slides/002_Trees_EDA.pptx
@@ -5,7 +5,7 @@
     <p:sldMasterId id="2147483660" r:id="rId1"/>
   </p:sldMasterIdLst>
   <p:notesMasterIdLst>
-    <p:notesMasterId r:id="rId28"/>
+    <p:notesMasterId r:id="rId29"/>
   </p:notesMasterIdLst>
   <p:sldIdLst>
     <p:sldId id="279" r:id="rId2"/>
@@ -29,11 +29,12 @@
     <p:sldId id="276" r:id="rId20"/>
     <p:sldId id="277" r:id="rId21"/>
     <p:sldId id="283" r:id="rId22"/>
-    <p:sldId id="268" r:id="rId23"/>
-    <p:sldId id="269" r:id="rId24"/>
-    <p:sldId id="270" r:id="rId25"/>
-    <p:sldId id="272" r:id="rId26"/>
-    <p:sldId id="273" r:id="rId27"/>
+    <p:sldId id="284" r:id="rId23"/>
+    <p:sldId id="268" r:id="rId24"/>
+    <p:sldId id="269" r:id="rId25"/>
+    <p:sldId id="270" r:id="rId26"/>
+    <p:sldId id="272" r:id="rId27"/>
+    <p:sldId id="273" r:id="rId28"/>
   </p:sldIdLst>
   <p:sldSz cx="12192000" cy="6858000"/>
   <p:notesSz cx="6858000" cy="9144000"/>
@@ -222,7 +223,7 @@
           <a:p>
             <a:fld id="{20133884-94CD-0F4E-BA84-5C402B1D76E4}" type="datetimeFigureOut">
               <a:rPr lang="en-US" smtClean="0"/>
-              <a:t>12/13/24</a:t>
+              <a:t>1/6/25</a:t>
             </a:fld>
             <a:endParaRPr lang="en-US"/>
           </a:p>
@@ -712,7 +713,7 @@
           <a:p>
             <a:fld id="{A08AC5D4-C579-7A4E-B275-F588D71CC3B5}" type="datetimeFigureOut">
               <a:rPr lang="en-US" smtClean="0"/>
-              <a:t>12/13/24</a:t>
+              <a:t>1/6/25</a:t>
             </a:fld>
             <a:endParaRPr lang="en-US"/>
           </a:p>
@@ -923,7 +924,7 @@
           <a:p>
             <a:fld id="{A08AC5D4-C579-7A4E-B275-F588D71CC3B5}" type="datetimeFigureOut">
               <a:rPr lang="en-US" smtClean="0"/>
-              <a:t>12/13/24</a:t>
+              <a:t>1/6/25</a:t>
             </a:fld>
             <a:endParaRPr lang="en-US"/>
           </a:p>
@@ -1138,7 +1139,7 @@
           <a:p>
             <a:fld id="{A08AC5D4-C579-7A4E-B275-F588D71CC3B5}" type="datetimeFigureOut">
               <a:rPr lang="en-US" smtClean="0"/>
-              <a:t>12/13/24</a:t>
+              <a:t>1/6/25</a:t>
             </a:fld>
             <a:endParaRPr lang="en-US"/>
           </a:p>
@@ -1339,7 +1340,7 @@
           <a:p>
             <a:fld id="{A08AC5D4-C579-7A4E-B275-F588D71CC3B5}" type="datetimeFigureOut">
               <a:rPr lang="en-US" smtClean="0"/>
-              <a:t>12/13/24</a:t>
+              <a:t>1/6/25</a:t>
             </a:fld>
             <a:endParaRPr lang="en-US"/>
           </a:p>
@@ -1618,7 +1619,7 @@
           <a:p>
             <a:fld id="{A08AC5D4-C579-7A4E-B275-F588D71CC3B5}" type="datetimeFigureOut">
               <a:rPr lang="en-US" smtClean="0"/>
-              <a:t>12/13/24</a:t>
+              <a:t>1/6/25</a:t>
             </a:fld>
             <a:endParaRPr lang="en-US"/>
           </a:p>
@@ -1886,7 +1887,7 @@
           <a:p>
             <a:fld id="{A08AC5D4-C579-7A4E-B275-F588D71CC3B5}" type="datetimeFigureOut">
               <a:rPr lang="en-US" smtClean="0"/>
-              <a:t>12/13/24</a:t>
+              <a:t>1/6/25</a:t>
             </a:fld>
             <a:endParaRPr lang="en-US"/>
           </a:p>
@@ -2302,7 +2303,7 @@
           <a:p>
             <a:fld id="{A08AC5D4-C579-7A4E-B275-F588D71CC3B5}" type="datetimeFigureOut">
               <a:rPr lang="en-US" smtClean="0"/>
-              <a:t>12/13/24</a:t>
+              <a:t>1/6/25</a:t>
             </a:fld>
             <a:endParaRPr lang="en-US"/>
           </a:p>
@@ -2451,7 +2452,7 @@
           <a:p>
             <a:fld id="{A08AC5D4-C579-7A4E-B275-F588D71CC3B5}" type="datetimeFigureOut">
               <a:rPr lang="en-US" smtClean="0"/>
-              <a:t>12/13/24</a:t>
+              <a:t>1/6/25</a:t>
             </a:fld>
             <a:endParaRPr lang="en-US"/>
           </a:p>
@@ -2577,7 +2578,7 @@
           <a:p>
             <a:fld id="{A08AC5D4-C579-7A4E-B275-F588D71CC3B5}" type="datetimeFigureOut">
               <a:rPr lang="en-US" smtClean="0"/>
-              <a:t>12/13/24</a:t>
+              <a:t>1/6/25</a:t>
             </a:fld>
             <a:endParaRPr lang="en-US"/>
           </a:p>
@@ -2828,7 +2829,7 @@
           <a:p>
             <a:fld id="{A08AC5D4-C579-7A4E-B275-F588D71CC3B5}" type="datetimeFigureOut">
               <a:rPr lang="en-US" smtClean="0"/>
-              <a:t>12/13/24</a:t>
+              <a:t>1/6/25</a:t>
             </a:fld>
             <a:endParaRPr lang="en-US"/>
           </a:p>
@@ -3273,7 +3274,7 @@
           <a:p>
             <a:fld id="{A08AC5D4-C579-7A4E-B275-F588D71CC3B5}" type="datetimeFigureOut">
               <a:rPr lang="en-US" smtClean="0"/>
-              <a:t>12/13/24</a:t>
+              <a:t>1/6/25</a:t>
             </a:fld>
             <a:endParaRPr lang="en-US"/>
           </a:p>
@@ -3600,7 +3601,7 @@
           <a:p>
             <a:fld id="{A08AC5D4-C579-7A4E-B275-F588D71CC3B5}" type="datetimeFigureOut">
               <a:rPr lang="en-US" smtClean="0"/>
-              <a:t>12/13/24</a:t>
+              <a:t>1/6/25</a:t>
             </a:fld>
             <a:endParaRPr lang="en-US"/>
           </a:p>
@@ -6194,6 +6195,196 @@
           <p:cNvPr id="2" name="Title 1">
             <a:extLst>
               <a:ext uri="{FF2B5EF4-FFF2-40B4-BE49-F238E27FC236}">
+                <a16:creationId xmlns:a16="http://schemas.microsoft.com/office/drawing/2014/main" id="{2DF37E66-E01D-4267-703B-A39F643100C5}"/>
+              </a:ext>
+            </a:extLst>
+          </p:cNvPr>
+          <p:cNvSpPr>
+            <a:spLocks noGrp="1"/>
+          </p:cNvSpPr>
+          <p:nvPr>
+            <p:ph type="title"/>
+          </p:nvPr>
+        </p:nvSpPr>
+        <p:spPr/>
+        <p:txBody>
+          <a:bodyPr/>
+          <a:lstStyle/>
+          <a:p>
+            <a:r>
+              <a:rPr lang="en-US" dirty="0"/>
+              <a:t>General Notes</a:t>
+            </a:r>
+          </a:p>
+        </p:txBody>
+      </p:sp>
+      <p:sp>
+        <p:nvSpPr>
+          <p:cNvPr id="3" name="Content Placeholder 2">
+            <a:extLst>
+              <a:ext uri="{FF2B5EF4-FFF2-40B4-BE49-F238E27FC236}">
+                <a16:creationId xmlns:a16="http://schemas.microsoft.com/office/drawing/2014/main" id="{F67DDC37-6101-BD34-4CBD-910AA65D2FE8}"/>
+              </a:ext>
+            </a:extLst>
+          </p:cNvPr>
+          <p:cNvSpPr>
+            <a:spLocks noGrp="1"/>
+          </p:cNvSpPr>
+          <p:nvPr>
+            <p:ph idx="1"/>
+          </p:nvPr>
+        </p:nvSpPr>
+        <p:spPr>
+          <a:xfrm>
+            <a:off x="1451579" y="1853753"/>
+            <a:ext cx="9603275" cy="4199727"/>
+          </a:xfrm>
+        </p:spPr>
+        <p:txBody>
+          <a:bodyPr>
+            <a:normAutofit lnSpcReduction="10000"/>
+          </a:bodyPr>
+          <a:lstStyle/>
+          <a:p>
+            <a:r>
+              <a:rPr lang="en-US" dirty="0"/>
+              <a:t>Sklearn has gotten much better in the recent version in handling </a:t>
+            </a:r>
+            <a:r>
+              <a:rPr lang="en-US" dirty="0" err="1"/>
+              <a:t>dataframes</a:t>
+            </a:r>
+            <a:r>
+              <a:rPr lang="en-US" dirty="0"/>
+              <a:t> natively. </a:t>
+            </a:r>
+          </a:p>
+          <a:p>
+            <a:r>
+              <a:rPr lang="en-US" dirty="0"/>
+              <a:t>Many/most of the examples have a step to convert to array before the model part. </a:t>
+            </a:r>
+          </a:p>
+          <a:p>
+            <a:pPr lvl="1"/>
+            <a:r>
+              <a:rPr lang="en-US" dirty="0"/>
+              <a:t>I.e. do prep stuff with data in </a:t>
+            </a:r>
+            <a:r>
+              <a:rPr lang="en-US" dirty="0" err="1"/>
+              <a:t>dataframe</a:t>
+            </a:r>
+            <a:r>
+              <a:rPr lang="en-US" dirty="0"/>
+              <a:t>, convert to array, feed to pipeline/model/</a:t>
+            </a:r>
+            <a:r>
+              <a:rPr lang="en-US" dirty="0" err="1"/>
+              <a:t>gridsearch</a:t>
+            </a:r>
+            <a:r>
+              <a:rPr lang="en-US" dirty="0"/>
+              <a:t>. </a:t>
+            </a:r>
+          </a:p>
+          <a:p>
+            <a:pPr lvl="1"/>
+            <a:r>
+              <a:rPr lang="en-US" dirty="0"/>
+              <a:t>You can avoid this more easily now and sklearn will (more often) handle it ok. </a:t>
+            </a:r>
+          </a:p>
+          <a:p>
+            <a:r>
+              <a:rPr lang="en-US" dirty="0"/>
+              <a:t>I generally like the conversion step when learning, it’s a clear delineation. </a:t>
+            </a:r>
+          </a:p>
+          <a:p>
+            <a:pPr lvl="1"/>
+            <a:r>
+              <a:rPr lang="en-US" dirty="0"/>
+              <a:t>All the prep work is done on the </a:t>
+            </a:r>
+            <a:r>
+              <a:rPr lang="en-US" dirty="0" err="1"/>
+              <a:t>dataframe</a:t>
+            </a:r>
+            <a:r>
+              <a:rPr lang="en-US" dirty="0"/>
+              <a:t>, we make the </a:t>
+            </a:r>
+            <a:r>
+              <a:rPr lang="en-US"/>
+              <a:t>conversion when done. </a:t>
+            </a:r>
+            <a:endParaRPr lang="en-US" dirty="0"/>
+          </a:p>
+          <a:p>
+            <a:r>
+              <a:rPr lang="en-US" dirty="0"/>
+              <a:t>The array conversion doesn’t really change anything in functionality. </a:t>
+            </a:r>
+          </a:p>
+          <a:p>
+            <a:pPr lvl="1"/>
+            <a:r>
+              <a:rPr lang="en-US" dirty="0"/>
+              <a:t>The results are the same, and the process is only different in that one or two lines. </a:t>
+            </a:r>
+          </a:p>
+          <a:p>
+            <a:pPr lvl="1"/>
+            <a:r>
+              <a:rPr lang="en-US" dirty="0"/>
+              <a:t>The algorithm does a conversion internally and just obscures it from you. </a:t>
+            </a:r>
+          </a:p>
+          <a:p>
+            <a:pPr lvl="1"/>
+            <a:r>
+              <a:rPr lang="en-US" dirty="0"/>
+              <a:t>When we do neural networks we’ll need to do that conversion (often) again. </a:t>
+            </a:r>
+          </a:p>
+        </p:txBody>
+      </p:sp>
+    </p:spTree>
+    <p:extLst>
+      <p:ext uri="{BB962C8B-B14F-4D97-AF65-F5344CB8AC3E}">
+        <p14:creationId xmlns:p14="http://schemas.microsoft.com/office/powerpoint/2010/main" val="3356818674"/>
+      </p:ext>
+    </p:extLst>
+  </p:cSld>
+  <p:clrMapOvr>
+    <a:masterClrMapping/>
+  </p:clrMapOvr>
+</p:sld>
+</file>
+
+<file path=ppt/slides/slide23.xml><?xml version="1.0" encoding="utf-8"?>
+<p:sld xmlns:a="http://schemas.openxmlformats.org/drawingml/2006/main" xmlns:r="http://schemas.openxmlformats.org/officeDocument/2006/relationships" xmlns:p="http://schemas.openxmlformats.org/presentationml/2006/main">
+  <p:cSld>
+    <p:spTree>
+      <p:nvGrpSpPr>
+        <p:cNvPr id="1" name=""/>
+        <p:cNvGrpSpPr/>
+        <p:nvPr/>
+      </p:nvGrpSpPr>
+      <p:grpSpPr>
+        <a:xfrm>
+          <a:off x="0" y="0"/>
+          <a:ext cx="0" cy="0"/>
+          <a:chOff x="0" y="0"/>
+          <a:chExt cx="0" cy="0"/>
+        </a:xfrm>
+      </p:grpSpPr>
+      <p:sp>
+        <p:nvSpPr>
+          <p:cNvPr id="2" name="Title 1">
+            <a:extLst>
+              <a:ext uri="{FF2B5EF4-FFF2-40B4-BE49-F238E27FC236}">
                 <a16:creationId xmlns:a16="http://schemas.microsoft.com/office/drawing/2014/main" id="{D893490F-BC2C-044B-8523-7C6267DBE75A}"/>
               </a:ext>
             </a:extLst>
@@ -6255,7 +6446,7 @@
 </p:sld>
 </file>
 
-<file path=ppt/slides/slide23.xml><?xml version="1.0" encoding="utf-8"?>
+<file path=ppt/slides/slide24.xml><?xml version="1.0" encoding="utf-8"?>
 <p:sld xmlns:a="http://schemas.openxmlformats.org/drawingml/2006/main" xmlns:r="http://schemas.openxmlformats.org/officeDocument/2006/relationships" xmlns:p="http://schemas.openxmlformats.org/presentationml/2006/main">
   <p:cSld>
     <p:spTree>
@@ -6539,7 +6730,7 @@
 </p:sld>
 </file>
 
-<file path=ppt/slides/slide24.xml><?xml version="1.0" encoding="utf-8"?>
+<file path=ppt/slides/slide25.xml><?xml version="1.0" encoding="utf-8"?>
 <p:sld xmlns:a="http://schemas.openxmlformats.org/drawingml/2006/main" xmlns:r="http://schemas.openxmlformats.org/officeDocument/2006/relationships" xmlns:p="http://schemas.openxmlformats.org/presentationml/2006/main" show="0">
   <p:cSld>
     <p:spTree>
@@ -6694,7 +6885,7 @@
 </p:sld>
 </file>
 
-<file path=ppt/slides/slide25.xml><?xml version="1.0" encoding="utf-8"?>
+<file path=ppt/slides/slide26.xml><?xml version="1.0" encoding="utf-8"?>
 <p:sld xmlns:a="http://schemas.openxmlformats.org/drawingml/2006/main" xmlns:r="http://schemas.openxmlformats.org/officeDocument/2006/relationships" xmlns:p="http://schemas.openxmlformats.org/presentationml/2006/main">
   <p:cSld>
     <p:spTree>
@@ -6920,7 +7111,7 @@
 </p:sld>
 </file>
 
-<file path=ppt/slides/slide26.xml><?xml version="1.0" encoding="utf-8"?>
+<file path=ppt/slides/slide27.xml><?xml version="1.0" encoding="utf-8"?>
 <p:sld xmlns:a="http://schemas.openxmlformats.org/drawingml/2006/main" xmlns:r="http://schemas.openxmlformats.org/officeDocument/2006/relationships" xmlns:p="http://schemas.openxmlformats.org/presentationml/2006/main">
   <p:cSld>
     <p:spTree>

--- a/reference_content/Slides/002_Trees_EDA.pptx
+++ b/reference_content/Slides/002_Trees_EDA.pptx
@@ -5,7 +5,7 @@
     <p:sldMasterId id="2147483660" r:id="rId1"/>
   </p:sldMasterIdLst>
   <p:notesMasterIdLst>
-    <p:notesMasterId r:id="rId29"/>
+    <p:notesMasterId r:id="rId30"/>
   </p:notesMasterIdLst>
   <p:sldIdLst>
     <p:sldId id="279" r:id="rId2"/>
@@ -23,18 +23,19 @@
     <p:sldId id="267" r:id="rId14"/>
     <p:sldId id="281" r:id="rId15"/>
     <p:sldId id="274" r:id="rId16"/>
-    <p:sldId id="275" r:id="rId17"/>
-    <p:sldId id="278" r:id="rId18"/>
-    <p:sldId id="282" r:id="rId19"/>
-    <p:sldId id="276" r:id="rId20"/>
-    <p:sldId id="277" r:id="rId21"/>
-    <p:sldId id="283" r:id="rId22"/>
-    <p:sldId id="284" r:id="rId23"/>
-    <p:sldId id="268" r:id="rId24"/>
-    <p:sldId id="269" r:id="rId25"/>
-    <p:sldId id="270" r:id="rId26"/>
-    <p:sldId id="272" r:id="rId27"/>
-    <p:sldId id="273" r:id="rId28"/>
+    <p:sldId id="285" r:id="rId17"/>
+    <p:sldId id="275" r:id="rId18"/>
+    <p:sldId id="278" r:id="rId19"/>
+    <p:sldId id="282" r:id="rId20"/>
+    <p:sldId id="276" r:id="rId21"/>
+    <p:sldId id="277" r:id="rId22"/>
+    <p:sldId id="283" r:id="rId23"/>
+    <p:sldId id="284" r:id="rId24"/>
+    <p:sldId id="268" r:id="rId25"/>
+    <p:sldId id="269" r:id="rId26"/>
+    <p:sldId id="270" r:id="rId27"/>
+    <p:sldId id="272" r:id="rId28"/>
+    <p:sldId id="273" r:id="rId29"/>
   </p:sldIdLst>
   <p:sldSz cx="12192000" cy="6858000"/>
   <p:notesSz cx="6858000" cy="9144000"/>
@@ -223,7 +224,7 @@
           <a:p>
             <a:fld id="{20133884-94CD-0F4E-BA84-5C402B1D76E4}" type="datetimeFigureOut">
               <a:rPr lang="en-US" smtClean="0"/>
-              <a:t>1/6/25</a:t>
+              <a:t>1/9/25</a:t>
             </a:fld>
             <a:endParaRPr lang="en-US"/>
           </a:p>
@@ -555,7 +556,7 @@
           <a:p>
             <a:fld id="{9CB1A861-F0D7-D84E-A25F-3A724E46AE05}" type="slidenum">
               <a:rPr lang="en-US" smtClean="0"/>
-              <a:t>19</a:t>
+              <a:t>20</a:t>
             </a:fld>
             <a:endParaRPr lang="en-US"/>
           </a:p>
@@ -713,7 +714,7 @@
           <a:p>
             <a:fld id="{A08AC5D4-C579-7A4E-B275-F588D71CC3B5}" type="datetimeFigureOut">
               <a:rPr lang="en-US" smtClean="0"/>
-              <a:t>1/6/25</a:t>
+              <a:t>1/9/25</a:t>
             </a:fld>
             <a:endParaRPr lang="en-US"/>
           </a:p>
@@ -924,7 +925,7 @@
           <a:p>
             <a:fld id="{A08AC5D4-C579-7A4E-B275-F588D71CC3B5}" type="datetimeFigureOut">
               <a:rPr lang="en-US" smtClean="0"/>
-              <a:t>1/6/25</a:t>
+              <a:t>1/9/25</a:t>
             </a:fld>
             <a:endParaRPr lang="en-US"/>
           </a:p>
@@ -1139,7 +1140,7 @@
           <a:p>
             <a:fld id="{A08AC5D4-C579-7A4E-B275-F588D71CC3B5}" type="datetimeFigureOut">
               <a:rPr lang="en-US" smtClean="0"/>
-              <a:t>1/6/25</a:t>
+              <a:t>1/9/25</a:t>
             </a:fld>
             <a:endParaRPr lang="en-US"/>
           </a:p>
@@ -1340,7 +1341,7 @@
           <a:p>
             <a:fld id="{A08AC5D4-C579-7A4E-B275-F588D71CC3B5}" type="datetimeFigureOut">
               <a:rPr lang="en-US" smtClean="0"/>
-              <a:t>1/6/25</a:t>
+              <a:t>1/9/25</a:t>
             </a:fld>
             <a:endParaRPr lang="en-US"/>
           </a:p>
@@ -1619,7 +1620,7 @@
           <a:p>
             <a:fld id="{A08AC5D4-C579-7A4E-B275-F588D71CC3B5}" type="datetimeFigureOut">
               <a:rPr lang="en-US" smtClean="0"/>
-              <a:t>1/6/25</a:t>
+              <a:t>1/9/25</a:t>
             </a:fld>
             <a:endParaRPr lang="en-US"/>
           </a:p>
@@ -1887,7 +1888,7 @@
           <a:p>
             <a:fld id="{A08AC5D4-C579-7A4E-B275-F588D71CC3B5}" type="datetimeFigureOut">
               <a:rPr lang="en-US" smtClean="0"/>
-              <a:t>1/6/25</a:t>
+              <a:t>1/9/25</a:t>
             </a:fld>
             <a:endParaRPr lang="en-US"/>
           </a:p>
@@ -2303,7 +2304,7 @@
           <a:p>
             <a:fld id="{A08AC5D4-C579-7A4E-B275-F588D71CC3B5}" type="datetimeFigureOut">
               <a:rPr lang="en-US" smtClean="0"/>
-              <a:t>1/6/25</a:t>
+              <a:t>1/9/25</a:t>
             </a:fld>
             <a:endParaRPr lang="en-US"/>
           </a:p>
@@ -2452,7 +2453,7 @@
           <a:p>
             <a:fld id="{A08AC5D4-C579-7A4E-B275-F588D71CC3B5}" type="datetimeFigureOut">
               <a:rPr lang="en-US" smtClean="0"/>
-              <a:t>1/6/25</a:t>
+              <a:t>1/9/25</a:t>
             </a:fld>
             <a:endParaRPr lang="en-US"/>
           </a:p>
@@ -2578,7 +2579,7 @@
           <a:p>
             <a:fld id="{A08AC5D4-C579-7A4E-B275-F588D71CC3B5}" type="datetimeFigureOut">
               <a:rPr lang="en-US" smtClean="0"/>
-              <a:t>1/6/25</a:t>
+              <a:t>1/9/25</a:t>
             </a:fld>
             <a:endParaRPr lang="en-US"/>
           </a:p>
@@ -2829,7 +2830,7 @@
           <a:p>
             <a:fld id="{A08AC5D4-C579-7A4E-B275-F588D71CC3B5}" type="datetimeFigureOut">
               <a:rPr lang="en-US" smtClean="0"/>
-              <a:t>1/6/25</a:t>
+              <a:t>1/9/25</a:t>
             </a:fld>
             <a:endParaRPr lang="en-US"/>
           </a:p>
@@ -3274,7 +3275,7 @@
           <a:p>
             <a:fld id="{A08AC5D4-C579-7A4E-B275-F588D71CC3B5}" type="datetimeFigureOut">
               <a:rPr lang="en-US" smtClean="0"/>
-              <a:t>1/6/25</a:t>
+              <a:t>1/9/25</a:t>
             </a:fld>
             <a:endParaRPr lang="en-US"/>
           </a:p>
@@ -3601,7 +3602,7 @@
           <a:p>
             <a:fld id="{A08AC5D4-C579-7A4E-B275-F588D71CC3B5}" type="datetimeFigureOut">
               <a:rPr lang="en-US" smtClean="0"/>
-              <a:t>1/6/25</a:t>
+              <a:t>1/9/25</a:t>
             </a:fld>
             <a:endParaRPr lang="en-US"/>
           </a:p>
@@ -5078,7 +5079,7 @@
           <p:cNvPr id="2" name="Title 1">
             <a:extLst>
               <a:ext uri="{FF2B5EF4-FFF2-40B4-BE49-F238E27FC236}">
-                <a16:creationId xmlns:a16="http://schemas.microsoft.com/office/drawing/2014/main" id="{A34FFB88-6CDD-12AE-73E0-9CEC1B34A90E}"/>
+                <a16:creationId xmlns:a16="http://schemas.microsoft.com/office/drawing/2014/main" id="{77927117-A532-3A19-B44E-2B1A8264C42E}"/>
               </a:ext>
             </a:extLst>
           </p:cNvPr>
@@ -5096,7 +5097,7 @@
           <a:p>
             <a:r>
               <a:rPr lang="en-US" dirty="0"/>
-              <a:t>So Many Parameters!</a:t>
+              <a:t>HP Options</a:t>
             </a:r>
           </a:p>
         </p:txBody>
@@ -5106,7 +5107,7 @@
           <p:cNvPr id="3" name="Content Placeholder 2">
             <a:extLst>
               <a:ext uri="{FF2B5EF4-FFF2-40B4-BE49-F238E27FC236}">
-                <a16:creationId xmlns:a16="http://schemas.microsoft.com/office/drawing/2014/main" id="{AAD6AA7C-5A86-FB19-8C90-806DD6BA00B7}"/>
+                <a16:creationId xmlns:a16="http://schemas.microsoft.com/office/drawing/2014/main" id="{9613B4E1-8DD4-1E12-2DC2-2E84F781847F}"/>
               </a:ext>
             </a:extLst>
           </p:cNvPr>
@@ -5119,8 +5120,8 @@
         </p:nvSpPr>
         <p:spPr>
           <a:xfrm>
-            <a:off x="1451579" y="1853754"/>
-            <a:ext cx="9603275" cy="4267646"/>
+            <a:off x="1451580" y="2015732"/>
+            <a:ext cx="5468200" cy="3954245"/>
           </a:xfrm>
         </p:spPr>
         <p:txBody>
@@ -5129,84 +5130,72 @@
           <a:p>
             <a:r>
               <a:rPr lang="en-US" dirty="0"/>
-              <a:t>Parameters are the things that the model learns internally while training. </a:t>
-            </a:r>
-          </a:p>
-          <a:p>
-            <a:pPr lvl="1"/>
-            <a:r>
-              <a:rPr lang="en-US" dirty="0"/>
-              <a:t>In a tree – split criteria. </a:t>
-            </a:r>
-          </a:p>
-          <a:p>
-            <a:pPr lvl="1"/>
-            <a:r>
-              <a:rPr lang="en-US" dirty="0"/>
-              <a:t>In other models – weights, values, centers, </a:t>
-            </a:r>
-            <a:r>
-              <a:rPr lang="en-US" dirty="0" err="1"/>
-              <a:t>etc</a:t>
-            </a:r>
-            <a:r>
-              <a:rPr lang="en-US" dirty="0"/>
-              <a:t>… (This will make more sense later) </a:t>
-            </a:r>
-          </a:p>
-          <a:p>
-            <a:r>
-              <a:rPr lang="en-US" dirty="0"/>
-              <a:t>Hyperparameters are the things the model is told from the developer. </a:t>
-            </a:r>
-          </a:p>
-          <a:p>
-            <a:pPr lvl="1"/>
-            <a:r>
-              <a:rPr lang="en-US" dirty="0"/>
-              <a:t>The rules on how the training process can run. </a:t>
-            </a:r>
-          </a:p>
-          <a:p>
-            <a:pPr lvl="1"/>
-            <a:r>
-              <a:rPr lang="en-US" dirty="0"/>
-              <a:t>Settings for how it does its job. </a:t>
-            </a:r>
-          </a:p>
-          <a:p>
-            <a:r>
-              <a:rPr lang="en-US" dirty="0"/>
-              <a:t>Creating a model will require [model type + HP choices]. </a:t>
-            </a:r>
-          </a:p>
-          <a:p>
-            <a:pPr lvl="1"/>
-            <a:r>
-              <a:rPr lang="en-US" dirty="0"/>
-              <a:t>We often want to compare different HP sets against each other. </a:t>
-            </a:r>
-          </a:p>
-          <a:p>
-            <a:pPr lvl="1"/>
-            <a:r>
-              <a:rPr lang="en-US" dirty="0"/>
-              <a:t>Soon we’ll look at tools to automate testing and comparing HP settings. </a:t>
-            </a:r>
-          </a:p>
-          <a:p>
-            <a:pPr lvl="1"/>
-            <a:r>
-              <a:rPr lang="en-US" dirty="0"/>
-              <a:t>Can use HP settings to mitigate over/under fitting in a model. </a:t>
-            </a:r>
-          </a:p>
-        </p:txBody>
-      </p:sp>
+              <a:t>Every model has different hyperparameters. </a:t>
+            </a:r>
+          </a:p>
+          <a:p>
+            <a:r>
+              <a:rPr lang="en-US" dirty="0"/>
+              <a:t>For a tree, they mainly relate to limits on growth:</a:t>
+            </a:r>
+          </a:p>
+          <a:p>
+            <a:pPr lvl="1"/>
+            <a:r>
+              <a:rPr lang="en-US" dirty="0"/>
+              <a:t>Max number of levels. </a:t>
+            </a:r>
+          </a:p>
+          <a:p>
+            <a:pPr lvl="1"/>
+            <a:r>
+              <a:rPr lang="en-US" dirty="0"/>
+              <a:t>Minimum items in a leaf to allow a split. </a:t>
+            </a:r>
+          </a:p>
+          <a:p>
+            <a:pPr lvl="1"/>
+            <a:r>
+              <a:rPr lang="en-US" dirty="0"/>
+              <a:t>Maximum number of features to use. </a:t>
+            </a:r>
+          </a:p>
+        </p:txBody>
+      </p:sp>
+      <p:pic>
+        <p:nvPicPr>
+          <p:cNvPr id="4" name="Picture 3">
+            <a:extLst>
+              <a:ext uri="{FF2B5EF4-FFF2-40B4-BE49-F238E27FC236}">
+                <a16:creationId xmlns:a16="http://schemas.microsoft.com/office/drawing/2014/main" id="{CD72497F-4420-6DA9-5F73-37D17F91AA35}"/>
+              </a:ext>
+            </a:extLst>
+          </p:cNvPr>
+          <p:cNvPicPr>
+            <a:picLocks noChangeAspect="1"/>
+          </p:cNvPicPr>
+          <p:nvPr/>
+        </p:nvPicPr>
+        <p:blipFill>
+          <a:blip r:embed="rId2"/>
+          <a:stretch>
+            <a:fillRect/>
+          </a:stretch>
+        </p:blipFill>
+        <p:spPr>
+          <a:xfrm>
+            <a:off x="6919779" y="0"/>
+            <a:ext cx="4719373" cy="6858000"/>
+          </a:xfrm>
+          <a:prstGeom prst="rect">
+            <a:avLst/>
+          </a:prstGeom>
+        </p:spPr>
+      </p:pic>
     </p:spTree>
     <p:extLst>
       <p:ext uri="{BB962C8B-B14F-4D97-AF65-F5344CB8AC3E}">
-        <p14:creationId xmlns:p14="http://schemas.microsoft.com/office/powerpoint/2010/main" val="55262228"/>
+        <p14:creationId xmlns:p14="http://schemas.microsoft.com/office/powerpoint/2010/main" val="1609424328"/>
       </p:ext>
     </p:extLst>
   </p:cSld>
@@ -5238,7 +5227,7 @@
           <p:cNvPr id="2" name="Title 1">
             <a:extLst>
               <a:ext uri="{FF2B5EF4-FFF2-40B4-BE49-F238E27FC236}">
-                <a16:creationId xmlns:a16="http://schemas.microsoft.com/office/drawing/2014/main" id="{8EABA6BA-10E2-0D27-27FB-10A6B139C063}"/>
+                <a16:creationId xmlns:a16="http://schemas.microsoft.com/office/drawing/2014/main" id="{A34FFB88-6CDD-12AE-73E0-9CEC1B34A90E}"/>
               </a:ext>
             </a:extLst>
           </p:cNvPr>
@@ -5256,7 +5245,7 @@
           <a:p>
             <a:r>
               <a:rPr lang="en-US" dirty="0"/>
-              <a:t>Tuning the Model</a:t>
+              <a:t>So Many Parameters!</a:t>
             </a:r>
           </a:p>
         </p:txBody>
@@ -5266,7 +5255,7 @@
           <p:cNvPr id="3" name="Content Placeholder 2">
             <a:extLst>
               <a:ext uri="{FF2B5EF4-FFF2-40B4-BE49-F238E27FC236}">
-                <a16:creationId xmlns:a16="http://schemas.microsoft.com/office/drawing/2014/main" id="{D08C41A7-4567-7ABA-D4A3-B7E570BB7762}"/>
+                <a16:creationId xmlns:a16="http://schemas.microsoft.com/office/drawing/2014/main" id="{AAD6AA7C-5A86-FB19-8C90-806DD6BA00B7}"/>
               </a:ext>
             </a:extLst>
           </p:cNvPr>
@@ -5279,8 +5268,8 @@
         </p:nvSpPr>
         <p:spPr>
           <a:xfrm>
-            <a:off x="1451579" y="2015732"/>
-            <a:ext cx="9603275" cy="4037749"/>
+            <a:off x="1451579" y="1853754"/>
+            <a:ext cx="9603275" cy="4267646"/>
           </a:xfrm>
         </p:spPr>
         <p:txBody>
@@ -5289,60 +5278,76 @@
           <a:p>
             <a:r>
               <a:rPr lang="en-US" dirty="0"/>
-              <a:t>We want our model to:</a:t>
-            </a:r>
-          </a:p>
-          <a:p>
-            <a:pPr lvl="1"/>
-            <a:r>
-              <a:rPr lang="en-US" dirty="0"/>
-              <a:t>Learn the data well, so it can make accurate predictions. </a:t>
-            </a:r>
-          </a:p>
-          <a:p>
-            <a:pPr lvl="1"/>
-            <a:r>
-              <a:rPr lang="en-US" dirty="0"/>
-              <a:t>Not become overly customized to the specifics, so it can make good predictions on new data. </a:t>
-            </a:r>
-          </a:p>
-          <a:p>
-            <a:r>
-              <a:rPr lang="en-US" dirty="0"/>
-              <a:t>We want to balance overfitting and underfitting. </a:t>
-            </a:r>
-          </a:p>
-          <a:p>
-            <a:r>
-              <a:rPr lang="en-US" dirty="0"/>
-              <a:t>Trees can tend to overfit if we don’t constrain their growth. </a:t>
-            </a:r>
-          </a:p>
-          <a:p>
-            <a:pPr lvl="1"/>
-            <a:r>
-              <a:rPr lang="en-US" dirty="0"/>
-              <a:t>E.g. if a node has a T and F, just split so each node is perfect. </a:t>
-            </a:r>
-          </a:p>
-          <a:p>
-            <a:r>
-              <a:rPr lang="en-US" dirty="0"/>
-              <a:t>We want to let our tree fit to data, but limit how far it can go. </a:t>
-            </a:r>
-          </a:p>
-          <a:p>
-            <a:pPr lvl="1"/>
-            <a:r>
-              <a:rPr lang="en-US" dirty="0"/>
-              <a:t>The model can get to near 100% in training, we want to constrain that growth. </a:t>
-            </a:r>
-          </a:p>
-          <a:p>
-            <a:pPr lvl="1"/>
-            <a:r>
-              <a:rPr lang="en-US" dirty="0"/>
-              <a:t>The most common thing we’ll do with tuning is limiting overfitting. </a:t>
+              <a:t>Parameters are the things that the model learns internally while training. </a:t>
+            </a:r>
+          </a:p>
+          <a:p>
+            <a:pPr lvl="1"/>
+            <a:r>
+              <a:rPr lang="en-US" dirty="0"/>
+              <a:t>In a tree – split criteria. </a:t>
+            </a:r>
+          </a:p>
+          <a:p>
+            <a:pPr lvl="1"/>
+            <a:r>
+              <a:rPr lang="en-US" dirty="0"/>
+              <a:t>In other models – weights, values, centers, </a:t>
+            </a:r>
+            <a:r>
+              <a:rPr lang="en-US" dirty="0" err="1"/>
+              <a:t>etc</a:t>
+            </a:r>
+            <a:r>
+              <a:rPr lang="en-US" dirty="0"/>
+              <a:t>… (This will make more sense later) </a:t>
+            </a:r>
+          </a:p>
+          <a:p>
+            <a:r>
+              <a:rPr lang="en-US" dirty="0"/>
+              <a:t>Hyperparameters are the things the model is told from the developer. </a:t>
+            </a:r>
+          </a:p>
+          <a:p>
+            <a:pPr lvl="1"/>
+            <a:r>
+              <a:rPr lang="en-US" dirty="0"/>
+              <a:t>The rules on how the training process can run. </a:t>
+            </a:r>
+          </a:p>
+          <a:p>
+            <a:pPr lvl="1"/>
+            <a:r>
+              <a:rPr lang="en-US" dirty="0"/>
+              <a:t>Settings for how it does its job. </a:t>
+            </a:r>
+          </a:p>
+          <a:p>
+            <a:r>
+              <a:rPr lang="en-US" dirty="0"/>
+              <a:t>Creating a model will require [model type + HP choices]. </a:t>
+            </a:r>
+          </a:p>
+          <a:p>
+            <a:pPr lvl="1"/>
+            <a:r>
+              <a:rPr lang="en-US" dirty="0"/>
+              <a:t>We often want to compare different HP sets against each other. </a:t>
+            </a:r>
+          </a:p>
+          <a:p>
+            <a:pPr lvl="1"/>
+            <a:r>
+              <a:rPr lang="en-US" dirty="0"/>
+              <a:t>Soon we’ll look at tools to automate testing and comparing HP settings. </a:t>
+            </a:r>
+          </a:p>
+          <a:p>
+            <a:pPr lvl="1"/>
+            <a:r>
+              <a:rPr lang="en-US" dirty="0"/>
+              <a:t>Can use HP settings to mitigate over/under fitting in a model. </a:t>
             </a:r>
           </a:p>
         </p:txBody>
@@ -5350,7 +5355,7 @@
     </p:spTree>
     <p:extLst>
       <p:ext uri="{BB962C8B-B14F-4D97-AF65-F5344CB8AC3E}">
-        <p14:creationId xmlns:p14="http://schemas.microsoft.com/office/powerpoint/2010/main" val="161820338"/>
+        <p14:creationId xmlns:p14="http://schemas.microsoft.com/office/powerpoint/2010/main" val="55262228"/>
       </p:ext>
     </p:extLst>
   </p:cSld>
@@ -5382,6 +5387,150 @@
           <p:cNvPr id="2" name="Title 1">
             <a:extLst>
               <a:ext uri="{FF2B5EF4-FFF2-40B4-BE49-F238E27FC236}">
+                <a16:creationId xmlns:a16="http://schemas.microsoft.com/office/drawing/2014/main" id="{8EABA6BA-10E2-0D27-27FB-10A6B139C063}"/>
+              </a:ext>
+            </a:extLst>
+          </p:cNvPr>
+          <p:cNvSpPr>
+            <a:spLocks noGrp="1"/>
+          </p:cNvSpPr>
+          <p:nvPr>
+            <p:ph type="title"/>
+          </p:nvPr>
+        </p:nvSpPr>
+        <p:spPr/>
+        <p:txBody>
+          <a:bodyPr/>
+          <a:lstStyle/>
+          <a:p>
+            <a:r>
+              <a:rPr lang="en-US" dirty="0"/>
+              <a:t>Tuning the Model</a:t>
+            </a:r>
+          </a:p>
+        </p:txBody>
+      </p:sp>
+      <p:sp>
+        <p:nvSpPr>
+          <p:cNvPr id="3" name="Content Placeholder 2">
+            <a:extLst>
+              <a:ext uri="{FF2B5EF4-FFF2-40B4-BE49-F238E27FC236}">
+                <a16:creationId xmlns:a16="http://schemas.microsoft.com/office/drawing/2014/main" id="{D08C41A7-4567-7ABA-D4A3-B7E570BB7762}"/>
+              </a:ext>
+            </a:extLst>
+          </p:cNvPr>
+          <p:cNvSpPr>
+            <a:spLocks noGrp="1"/>
+          </p:cNvSpPr>
+          <p:nvPr>
+            <p:ph idx="1"/>
+          </p:nvPr>
+        </p:nvSpPr>
+        <p:spPr>
+          <a:xfrm>
+            <a:off x="1451579" y="2015732"/>
+            <a:ext cx="9603275" cy="4037749"/>
+          </a:xfrm>
+        </p:spPr>
+        <p:txBody>
+          <a:bodyPr/>
+          <a:lstStyle/>
+          <a:p>
+            <a:r>
+              <a:rPr lang="en-US" dirty="0"/>
+              <a:t>We want our model to:</a:t>
+            </a:r>
+          </a:p>
+          <a:p>
+            <a:pPr lvl="1"/>
+            <a:r>
+              <a:rPr lang="en-US" dirty="0"/>
+              <a:t>Learn the data well, so it can make accurate predictions. </a:t>
+            </a:r>
+          </a:p>
+          <a:p>
+            <a:pPr lvl="1"/>
+            <a:r>
+              <a:rPr lang="en-US" dirty="0"/>
+              <a:t>Not become overly customized to the specifics, so it can make good predictions on new data. </a:t>
+            </a:r>
+          </a:p>
+          <a:p>
+            <a:r>
+              <a:rPr lang="en-US" dirty="0"/>
+              <a:t>We want to balance overfitting and underfitting. </a:t>
+            </a:r>
+          </a:p>
+          <a:p>
+            <a:r>
+              <a:rPr lang="en-US" dirty="0"/>
+              <a:t>Trees can tend to overfit if we don’t constrain their growth. </a:t>
+            </a:r>
+          </a:p>
+          <a:p>
+            <a:pPr lvl="1"/>
+            <a:r>
+              <a:rPr lang="en-US" dirty="0"/>
+              <a:t>E.g. if a node has a T and F, just split so each node is perfect. </a:t>
+            </a:r>
+          </a:p>
+          <a:p>
+            <a:r>
+              <a:rPr lang="en-US" dirty="0"/>
+              <a:t>We want to let our tree fit to data, but limit how far it can go. </a:t>
+            </a:r>
+          </a:p>
+          <a:p>
+            <a:pPr lvl="1"/>
+            <a:r>
+              <a:rPr lang="en-US" dirty="0"/>
+              <a:t>The model can get to near 100% in training, we want to constrain that growth. </a:t>
+            </a:r>
+          </a:p>
+          <a:p>
+            <a:pPr lvl="1"/>
+            <a:r>
+              <a:rPr lang="en-US" dirty="0"/>
+              <a:t>The most common thing we’ll do with tuning is limiting overfitting. </a:t>
+            </a:r>
+          </a:p>
+        </p:txBody>
+      </p:sp>
+    </p:spTree>
+    <p:extLst>
+      <p:ext uri="{BB962C8B-B14F-4D97-AF65-F5344CB8AC3E}">
+        <p14:creationId xmlns:p14="http://schemas.microsoft.com/office/powerpoint/2010/main" val="161820338"/>
+      </p:ext>
+    </p:extLst>
+  </p:cSld>
+  <p:clrMapOvr>
+    <a:masterClrMapping/>
+  </p:clrMapOvr>
+</p:sld>
+</file>
+
+<file path=ppt/slides/slide19.xml><?xml version="1.0" encoding="utf-8"?>
+<p:sld xmlns:a="http://schemas.openxmlformats.org/drawingml/2006/main" xmlns:r="http://schemas.openxmlformats.org/officeDocument/2006/relationships" xmlns:p="http://schemas.openxmlformats.org/presentationml/2006/main">
+  <p:cSld>
+    <p:spTree>
+      <p:nvGrpSpPr>
+        <p:cNvPr id="1" name=""/>
+        <p:cNvGrpSpPr/>
+        <p:nvPr/>
+      </p:nvGrpSpPr>
+      <p:grpSpPr>
+        <a:xfrm>
+          <a:off x="0" y="0"/>
+          <a:ext cx="0" cy="0"/>
+          <a:chOff x="0" y="0"/>
+          <a:chExt cx="0" cy="0"/>
+        </a:xfrm>
+      </p:grpSpPr>
+      <p:sp>
+        <p:nvSpPr>
+          <p:cNvPr id="2" name="Title 1">
+            <a:extLst>
+              <a:ext uri="{FF2B5EF4-FFF2-40B4-BE49-F238E27FC236}">
                 <a16:creationId xmlns:a16="http://schemas.microsoft.com/office/drawing/2014/main" id="{CBC75BAC-F066-22A5-C78B-839F878A3A66}"/>
               </a:ext>
             </a:extLst>
@@ -5423,12 +5572,14 @@
         </p:nvSpPr>
         <p:spPr>
           <a:xfrm>
-            <a:off x="1451579" y="2015732"/>
-            <a:ext cx="9603275" cy="3904301"/>
+            <a:off x="1451579" y="1853754"/>
+            <a:ext cx="9603275" cy="4199727"/>
           </a:xfrm>
         </p:spPr>
         <p:txBody>
-          <a:bodyPr/>
+          <a:bodyPr>
+            <a:normAutofit/>
+          </a:bodyPr>
           <a:lstStyle/>
           <a:p>
             <a:r>
@@ -5447,7 +5598,7 @@
             </a:r>
             <a:r>
               <a:rPr lang="en-US" dirty="0"/>
-              <a:t>) function to penalize growth:</a:t>
+              <a:t>) function to penalize growth of the model:</a:t>
             </a:r>
           </a:p>
           <a:p>
@@ -5505,7 +5656,90 @@
 </p:sld>
 </file>
 
-<file path=ppt/slides/slide19.xml><?xml version="1.0" encoding="utf-8"?>
+<file path=ppt/slides/slide2.xml><?xml version="1.0" encoding="utf-8"?>
+<p:sld xmlns:a="http://schemas.openxmlformats.org/drawingml/2006/main" xmlns:r="http://schemas.openxmlformats.org/officeDocument/2006/relationships" xmlns:p="http://schemas.openxmlformats.org/presentationml/2006/main">
+  <p:cSld>
+    <p:spTree>
+      <p:nvGrpSpPr>
+        <p:cNvPr id="1" name=""/>
+        <p:cNvGrpSpPr/>
+        <p:nvPr/>
+      </p:nvGrpSpPr>
+      <p:grpSpPr>
+        <a:xfrm>
+          <a:off x="0" y="0"/>
+          <a:ext cx="0" cy="0"/>
+          <a:chOff x="0" y="0"/>
+          <a:chExt cx="0" cy="0"/>
+        </a:xfrm>
+      </p:grpSpPr>
+      <p:sp>
+        <p:nvSpPr>
+          <p:cNvPr id="2" name="Title 1">
+            <a:extLst>
+              <a:ext uri="{FF2B5EF4-FFF2-40B4-BE49-F238E27FC236}">
+                <a16:creationId xmlns:a16="http://schemas.microsoft.com/office/drawing/2014/main" id="{B8E2AD5A-7A83-5C4C-9676-675895A77766}"/>
+              </a:ext>
+            </a:extLst>
+          </p:cNvPr>
+          <p:cNvSpPr>
+            <a:spLocks noGrp="1"/>
+          </p:cNvSpPr>
+          <p:nvPr>
+            <p:ph type="ctrTitle"/>
+          </p:nvPr>
+        </p:nvSpPr>
+        <p:spPr/>
+        <p:txBody>
+          <a:bodyPr/>
+          <a:lstStyle/>
+          <a:p>
+            <a:r>
+              <a:rPr lang="en-US" dirty="0"/>
+              <a:t>Trees</a:t>
+            </a:r>
+          </a:p>
+        </p:txBody>
+      </p:sp>
+      <p:sp>
+        <p:nvSpPr>
+          <p:cNvPr id="3" name="Subtitle 2">
+            <a:extLst>
+              <a:ext uri="{FF2B5EF4-FFF2-40B4-BE49-F238E27FC236}">
+                <a16:creationId xmlns:a16="http://schemas.microsoft.com/office/drawing/2014/main" id="{1DF7E239-BEEB-794A-A95E-6522428CD737}"/>
+              </a:ext>
+            </a:extLst>
+          </p:cNvPr>
+          <p:cNvSpPr>
+            <a:spLocks noGrp="1"/>
+          </p:cNvSpPr>
+          <p:nvPr>
+            <p:ph type="subTitle" idx="1"/>
+          </p:nvPr>
+        </p:nvSpPr>
+        <p:spPr/>
+        <p:txBody>
+          <a:bodyPr/>
+          <a:lstStyle/>
+          <a:p>
+            <a:endParaRPr lang="en-US"/>
+          </a:p>
+        </p:txBody>
+      </p:sp>
+    </p:spTree>
+    <p:extLst>
+      <p:ext uri="{BB962C8B-B14F-4D97-AF65-F5344CB8AC3E}">
+        <p14:creationId xmlns:p14="http://schemas.microsoft.com/office/powerpoint/2010/main" val="90841124"/>
+      </p:ext>
+    </p:extLst>
+  </p:cSld>
+  <p:clrMapOvr>
+    <a:masterClrMapping/>
+  </p:clrMapOvr>
+</p:sld>
+</file>
+
+<file path=ppt/slides/slide20.xml><?xml version="1.0" encoding="utf-8"?>
 <p:sld xmlns:a="http://schemas.openxmlformats.org/drawingml/2006/main" xmlns:r="http://schemas.openxmlformats.org/officeDocument/2006/relationships" xmlns:p="http://schemas.openxmlformats.org/presentationml/2006/main">
   <p:cSld>
     <p:bg>
@@ -5698,90 +5932,7 @@
 </p:sld>
 </file>
 
-<file path=ppt/slides/slide2.xml><?xml version="1.0" encoding="utf-8"?>
-<p:sld xmlns:a="http://schemas.openxmlformats.org/drawingml/2006/main" xmlns:r="http://schemas.openxmlformats.org/officeDocument/2006/relationships" xmlns:p="http://schemas.openxmlformats.org/presentationml/2006/main">
-  <p:cSld>
-    <p:spTree>
-      <p:nvGrpSpPr>
-        <p:cNvPr id="1" name=""/>
-        <p:cNvGrpSpPr/>
-        <p:nvPr/>
-      </p:nvGrpSpPr>
-      <p:grpSpPr>
-        <a:xfrm>
-          <a:off x="0" y="0"/>
-          <a:ext cx="0" cy="0"/>
-          <a:chOff x="0" y="0"/>
-          <a:chExt cx="0" cy="0"/>
-        </a:xfrm>
-      </p:grpSpPr>
-      <p:sp>
-        <p:nvSpPr>
-          <p:cNvPr id="2" name="Title 1">
-            <a:extLst>
-              <a:ext uri="{FF2B5EF4-FFF2-40B4-BE49-F238E27FC236}">
-                <a16:creationId xmlns:a16="http://schemas.microsoft.com/office/drawing/2014/main" id="{B8E2AD5A-7A83-5C4C-9676-675895A77766}"/>
-              </a:ext>
-            </a:extLst>
-          </p:cNvPr>
-          <p:cNvSpPr>
-            <a:spLocks noGrp="1"/>
-          </p:cNvSpPr>
-          <p:nvPr>
-            <p:ph type="ctrTitle"/>
-          </p:nvPr>
-        </p:nvSpPr>
-        <p:spPr/>
-        <p:txBody>
-          <a:bodyPr/>
-          <a:lstStyle/>
-          <a:p>
-            <a:r>
-              <a:rPr lang="en-US" dirty="0"/>
-              <a:t>Trees</a:t>
-            </a:r>
-          </a:p>
-        </p:txBody>
-      </p:sp>
-      <p:sp>
-        <p:nvSpPr>
-          <p:cNvPr id="3" name="Subtitle 2">
-            <a:extLst>
-              <a:ext uri="{FF2B5EF4-FFF2-40B4-BE49-F238E27FC236}">
-                <a16:creationId xmlns:a16="http://schemas.microsoft.com/office/drawing/2014/main" id="{1DF7E239-BEEB-794A-A95E-6522428CD737}"/>
-              </a:ext>
-            </a:extLst>
-          </p:cNvPr>
-          <p:cNvSpPr>
-            <a:spLocks noGrp="1"/>
-          </p:cNvSpPr>
-          <p:nvPr>
-            <p:ph type="subTitle" idx="1"/>
-          </p:nvPr>
-        </p:nvSpPr>
-        <p:spPr/>
-        <p:txBody>
-          <a:bodyPr/>
-          <a:lstStyle/>
-          <a:p>
-            <a:endParaRPr lang="en-US"/>
-          </a:p>
-        </p:txBody>
-      </p:sp>
-    </p:spTree>
-    <p:extLst>
-      <p:ext uri="{BB962C8B-B14F-4D97-AF65-F5344CB8AC3E}">
-        <p14:creationId xmlns:p14="http://schemas.microsoft.com/office/powerpoint/2010/main" val="90841124"/>
-      </p:ext>
-    </p:extLst>
-  </p:cSld>
-  <p:clrMapOvr>
-    <a:masterClrMapping/>
-  </p:clrMapOvr>
-</p:sld>
-</file>
-
-<file path=ppt/slides/slide20.xml><?xml version="1.0" encoding="utf-8"?>
+<file path=ppt/slides/slide21.xml><?xml version="1.0" encoding="utf-8"?>
 <p:sld xmlns:a="http://schemas.openxmlformats.org/drawingml/2006/main" xmlns:r="http://schemas.openxmlformats.org/officeDocument/2006/relationships" xmlns:p="http://schemas.openxmlformats.org/presentationml/2006/main">
   <p:cSld>
     <p:bg>
@@ -6021,158 +6172,6 @@
 </p:sld>
 </file>
 
-<file path=ppt/slides/slide21.xml><?xml version="1.0" encoding="utf-8"?>
-<p:sld xmlns:a="http://schemas.openxmlformats.org/drawingml/2006/main" xmlns:r="http://schemas.openxmlformats.org/officeDocument/2006/relationships" xmlns:p="http://schemas.openxmlformats.org/presentationml/2006/main">
-  <p:cSld>
-    <p:spTree>
-      <p:nvGrpSpPr>
-        <p:cNvPr id="1" name=""/>
-        <p:cNvGrpSpPr/>
-        <p:nvPr/>
-      </p:nvGrpSpPr>
-      <p:grpSpPr>
-        <a:xfrm>
-          <a:off x="0" y="0"/>
-          <a:ext cx="0" cy="0"/>
-          <a:chOff x="0" y="0"/>
-          <a:chExt cx="0" cy="0"/>
-        </a:xfrm>
-      </p:grpSpPr>
-      <p:sp>
-        <p:nvSpPr>
-          <p:cNvPr id="2" name="Title 1">
-            <a:extLst>
-              <a:ext uri="{FF2B5EF4-FFF2-40B4-BE49-F238E27FC236}">
-                <a16:creationId xmlns:a16="http://schemas.microsoft.com/office/drawing/2014/main" id="{8FC6E27A-7A16-2BB7-84CA-2A46F279A2B1}"/>
-              </a:ext>
-            </a:extLst>
-          </p:cNvPr>
-          <p:cNvSpPr>
-            <a:spLocks noGrp="1"/>
-          </p:cNvSpPr>
-          <p:nvPr>
-            <p:ph type="title"/>
-          </p:nvPr>
-        </p:nvSpPr>
-        <p:spPr/>
-        <p:txBody>
-          <a:bodyPr/>
-          <a:lstStyle/>
-          <a:p>
-            <a:r>
-              <a:rPr lang="en-US" dirty="0"/>
-              <a:t>Use some Trees</a:t>
-            </a:r>
-          </a:p>
-        </p:txBody>
-      </p:sp>
-      <p:sp>
-        <p:nvSpPr>
-          <p:cNvPr id="3" name="Content Placeholder 2">
-            <a:extLst>
-              <a:ext uri="{FF2B5EF4-FFF2-40B4-BE49-F238E27FC236}">
-                <a16:creationId xmlns:a16="http://schemas.microsoft.com/office/drawing/2014/main" id="{440B18D2-4522-6750-133C-560FB6822F19}"/>
-              </a:ext>
-            </a:extLst>
-          </p:cNvPr>
-          <p:cNvSpPr>
-            <a:spLocks noGrp="1"/>
-          </p:cNvSpPr>
-          <p:nvPr>
-            <p:ph idx="1"/>
-          </p:nvPr>
-        </p:nvSpPr>
-        <p:spPr>
-          <a:xfrm>
-            <a:off x="1451579" y="1853754"/>
-            <a:ext cx="9603275" cy="4199727"/>
-          </a:xfrm>
-        </p:spPr>
-        <p:txBody>
-          <a:bodyPr/>
-          <a:lstStyle/>
-          <a:p>
-            <a:r>
-              <a:rPr lang="en-US" dirty="0"/>
-              <a:t>Trees are one of the most approachable model types to understand:</a:t>
-            </a:r>
-          </a:p>
-          <a:p>
-            <a:pPr lvl="1"/>
-            <a:r>
-              <a:rPr lang="en-US" dirty="0"/>
-              <a:t>We can visualize the entire </a:t>
-            </a:r>
-            <a:r>
-              <a:rPr lang="en-US"/>
-              <a:t>process and walk </a:t>
-            </a:r>
-            <a:r>
-              <a:rPr lang="en-US" dirty="0"/>
-              <a:t>through decisions in English. </a:t>
-            </a:r>
-          </a:p>
-          <a:p>
-            <a:r>
-              <a:rPr lang="en-US" dirty="0"/>
-              <a:t>Trees tend to be greedy, so we need ways to limit the overfitting. </a:t>
-            </a:r>
-          </a:p>
-          <a:p>
-            <a:pPr lvl="1"/>
-            <a:r>
-              <a:rPr lang="en-US" dirty="0"/>
-              <a:t>Tuning the settings of hyperparameters and regularization. </a:t>
-            </a:r>
-          </a:p>
-          <a:p>
-            <a:pPr lvl="1"/>
-            <a:r>
-              <a:rPr lang="en-US" dirty="0"/>
-              <a:t>Tree creation algorithms seek purity – each node is uniform. </a:t>
-            </a:r>
-          </a:p>
-          <a:p>
-            <a:r>
-              <a:rPr lang="en-US" dirty="0"/>
-              <a:t>Trees do the same thing as regression, but in a totally different mathematical way. </a:t>
-            </a:r>
-          </a:p>
-          <a:p>
-            <a:pPr lvl="1"/>
-            <a:r>
-              <a:rPr lang="en-US" dirty="0"/>
-              <a:t>Linear models assume a linear relationship, trees are non-parametric. </a:t>
-            </a:r>
-          </a:p>
-          <a:p>
-            <a:pPr lvl="1"/>
-            <a:r>
-              <a:rPr lang="en-US" dirty="0"/>
-              <a:t>Different data may work better with one or the other (or some other type). </a:t>
-            </a:r>
-          </a:p>
-          <a:p>
-            <a:r>
-              <a:rPr lang="en-US" dirty="0"/>
-              <a:t>Many of the best non neural network models use some trees in different ways. </a:t>
-            </a:r>
-          </a:p>
-        </p:txBody>
-      </p:sp>
-    </p:spTree>
-    <p:extLst>
-      <p:ext uri="{BB962C8B-B14F-4D97-AF65-F5344CB8AC3E}">
-        <p14:creationId xmlns:p14="http://schemas.microsoft.com/office/powerpoint/2010/main" val="1193789722"/>
-      </p:ext>
-    </p:extLst>
-  </p:cSld>
-  <p:clrMapOvr>
-    <a:masterClrMapping/>
-  </p:clrMapOvr>
-</p:sld>
-</file>
-
 <file path=ppt/slides/slide22.xml><?xml version="1.0" encoding="utf-8"?>
 <p:sld xmlns:a="http://schemas.openxmlformats.org/drawingml/2006/main" xmlns:r="http://schemas.openxmlformats.org/officeDocument/2006/relationships" xmlns:p="http://schemas.openxmlformats.org/presentationml/2006/main">
   <p:cSld>
@@ -6195,7 +6194,7 @@
           <p:cNvPr id="2" name="Title 1">
             <a:extLst>
               <a:ext uri="{FF2B5EF4-FFF2-40B4-BE49-F238E27FC236}">
-                <a16:creationId xmlns:a16="http://schemas.microsoft.com/office/drawing/2014/main" id="{2DF37E66-E01D-4267-703B-A39F643100C5}"/>
+                <a16:creationId xmlns:a16="http://schemas.microsoft.com/office/drawing/2014/main" id="{8FC6E27A-7A16-2BB7-84CA-2A46F279A2B1}"/>
               </a:ext>
             </a:extLst>
           </p:cNvPr>
@@ -6213,7 +6212,7 @@
           <a:p>
             <a:r>
               <a:rPr lang="en-US" dirty="0"/>
-              <a:t>General Notes</a:t>
+              <a:t>Use some Trees</a:t>
             </a:r>
           </a:p>
         </p:txBody>
@@ -6223,7 +6222,7 @@
           <p:cNvPr id="3" name="Content Placeholder 2">
             <a:extLst>
               <a:ext uri="{FF2B5EF4-FFF2-40B4-BE49-F238E27FC236}">
-                <a16:creationId xmlns:a16="http://schemas.microsoft.com/office/drawing/2014/main" id="{F67DDC37-6101-BD34-4CBD-910AA65D2FE8}"/>
+                <a16:creationId xmlns:a16="http://schemas.microsoft.com/office/drawing/2014/main" id="{440B18D2-4522-6750-133C-560FB6822F19}"/>
               </a:ext>
             </a:extLst>
           </p:cNvPr>
@@ -6236,124 +6235,83 @@
         </p:nvSpPr>
         <p:spPr>
           <a:xfrm>
-            <a:off x="1451579" y="1853753"/>
+            <a:off x="1451579" y="1853754"/>
             <a:ext cx="9603275" cy="4199727"/>
           </a:xfrm>
         </p:spPr>
         <p:txBody>
-          <a:bodyPr>
-            <a:normAutofit lnSpcReduction="10000"/>
-          </a:bodyPr>
-          <a:lstStyle/>
-          <a:p>
-            <a:r>
-              <a:rPr lang="en-US" dirty="0"/>
-              <a:t>Sklearn has gotten much better in the recent version in handling </a:t>
-            </a:r>
-            <a:r>
-              <a:rPr lang="en-US" dirty="0" err="1"/>
-              <a:t>dataframes</a:t>
-            </a:r>
-            <a:r>
-              <a:rPr lang="en-US" dirty="0"/>
-              <a:t> natively. </a:t>
-            </a:r>
-          </a:p>
-          <a:p>
-            <a:r>
-              <a:rPr lang="en-US" dirty="0"/>
-              <a:t>Many/most of the examples have a step to convert to array before the model part. </a:t>
-            </a:r>
-          </a:p>
-          <a:p>
-            <a:pPr lvl="1"/>
-            <a:r>
-              <a:rPr lang="en-US" dirty="0"/>
-              <a:t>I.e. do prep stuff with data in </a:t>
-            </a:r>
-            <a:r>
-              <a:rPr lang="en-US" dirty="0" err="1"/>
-              <a:t>dataframe</a:t>
-            </a:r>
-            <a:r>
-              <a:rPr lang="en-US" dirty="0"/>
-              <a:t>, convert to array, feed to pipeline/model/</a:t>
-            </a:r>
-            <a:r>
-              <a:rPr lang="en-US" dirty="0" err="1"/>
-              <a:t>gridsearch</a:t>
-            </a:r>
-            <a:r>
-              <a:rPr lang="en-US" dirty="0"/>
-              <a:t>. </a:t>
-            </a:r>
-          </a:p>
-          <a:p>
-            <a:pPr lvl="1"/>
-            <a:r>
-              <a:rPr lang="en-US" dirty="0"/>
-              <a:t>You can avoid this more easily now and sklearn will (more often) handle it ok. </a:t>
-            </a:r>
-          </a:p>
-          <a:p>
-            <a:r>
-              <a:rPr lang="en-US" dirty="0"/>
-              <a:t>I generally like the conversion step when learning, it’s a clear delineation. </a:t>
-            </a:r>
-          </a:p>
-          <a:p>
-            <a:pPr lvl="1"/>
-            <a:r>
-              <a:rPr lang="en-US" dirty="0"/>
-              <a:t>All the prep work is done on the </a:t>
-            </a:r>
-            <a:r>
-              <a:rPr lang="en-US" dirty="0" err="1"/>
-              <a:t>dataframe</a:t>
-            </a:r>
-            <a:r>
-              <a:rPr lang="en-US" dirty="0"/>
-              <a:t>, we make the </a:t>
+          <a:bodyPr/>
+          <a:lstStyle/>
+          <a:p>
+            <a:r>
+              <a:rPr lang="en-US" dirty="0"/>
+              <a:t>Trees are one of the most approachable model types to understand:</a:t>
+            </a:r>
+          </a:p>
+          <a:p>
+            <a:pPr lvl="1"/>
+            <a:r>
+              <a:rPr lang="en-US" dirty="0"/>
+              <a:t>We can visualize the entire process and walk through decisions in English. </a:t>
+            </a:r>
+          </a:p>
+          <a:p>
+            <a:r>
+              <a:rPr lang="en-US" dirty="0"/>
+              <a:t>Trees tend to be greedy, so we need ways to limit the overfitting. </a:t>
+            </a:r>
+          </a:p>
+          <a:p>
+            <a:pPr lvl="1"/>
+            <a:r>
+              <a:rPr lang="en-US" dirty="0"/>
+              <a:t>Tuning the settings of hyperparameters and regularization. </a:t>
+            </a:r>
+          </a:p>
+          <a:p>
+            <a:pPr lvl="1"/>
+            <a:r>
+              <a:rPr lang="en-US" dirty="0"/>
+              <a:t>Tree creation algorithms seek purity – each node is uniform. </a:t>
+            </a:r>
+          </a:p>
+          <a:p>
+            <a:r>
+              <a:rPr lang="en-US" dirty="0"/>
+              <a:t>Trees do the same thing as regression, but in a totally different mathematical way. </a:t>
+            </a:r>
+          </a:p>
+          <a:p>
+            <a:pPr lvl="1"/>
+            <a:r>
+              <a:rPr lang="en-US" dirty="0"/>
+              <a:t>Linear models assume a linear relationship, trees are non-parametric. </a:t>
+            </a:r>
+          </a:p>
+          <a:p>
+            <a:pPr lvl="1"/>
+            <a:r>
+              <a:rPr lang="en-US" dirty="0"/>
+              <a:t>Different data may work better with one or the other (or some other type). </a:t>
+            </a:r>
+          </a:p>
+          <a:p>
+            <a:r>
+              <a:rPr lang="en-US" dirty="0"/>
+              <a:t>Many of the best non neural network models use some trees in </a:t>
             </a:r>
             <a:r>
               <a:rPr lang="en-US"/>
-              <a:t>conversion when done. </a:t>
+              <a:t>different ways… </a:t>
             </a:r>
             <a:endParaRPr lang="en-US" dirty="0"/>
-          </a:p>
-          <a:p>
-            <a:r>
-              <a:rPr lang="en-US" dirty="0"/>
-              <a:t>The array conversion doesn’t really change anything in functionality. </a:t>
-            </a:r>
-          </a:p>
-          <a:p>
-            <a:pPr lvl="1"/>
-            <a:r>
-              <a:rPr lang="en-US" dirty="0"/>
-              <a:t>The results are the same, and the process is only different in that one or two lines. </a:t>
-            </a:r>
-          </a:p>
-          <a:p>
-            <a:pPr lvl="1"/>
-            <a:r>
-              <a:rPr lang="en-US" dirty="0"/>
-              <a:t>The algorithm does a conversion internally and just obscures it from you. </a:t>
-            </a:r>
-          </a:p>
-          <a:p>
-            <a:pPr lvl="1"/>
-            <a:r>
-              <a:rPr lang="en-US" dirty="0"/>
-              <a:t>When we do neural networks we’ll need to do that conversion (often) again. </a:t>
-            </a:r>
           </a:p>
         </p:txBody>
       </p:sp>
     </p:spTree>
     <p:extLst>
       <p:ext uri="{BB962C8B-B14F-4D97-AF65-F5344CB8AC3E}">
-        <p14:creationId xmlns:p14="http://schemas.microsoft.com/office/powerpoint/2010/main" val="3356818674"/>
+        <p14:creationId xmlns:p14="http://schemas.microsoft.com/office/powerpoint/2010/main" val="1193789722"/>
       </p:ext>
     </p:extLst>
   </p:cSld>
@@ -6385,6 +6343,196 @@
           <p:cNvPr id="2" name="Title 1">
             <a:extLst>
               <a:ext uri="{FF2B5EF4-FFF2-40B4-BE49-F238E27FC236}">
+                <a16:creationId xmlns:a16="http://schemas.microsoft.com/office/drawing/2014/main" id="{2DF37E66-E01D-4267-703B-A39F643100C5}"/>
+              </a:ext>
+            </a:extLst>
+          </p:cNvPr>
+          <p:cNvSpPr>
+            <a:spLocks noGrp="1"/>
+          </p:cNvSpPr>
+          <p:nvPr>
+            <p:ph type="title"/>
+          </p:nvPr>
+        </p:nvSpPr>
+        <p:spPr/>
+        <p:txBody>
+          <a:bodyPr/>
+          <a:lstStyle/>
+          <a:p>
+            <a:r>
+              <a:rPr lang="en-US" dirty="0"/>
+              <a:t>General Notes</a:t>
+            </a:r>
+          </a:p>
+        </p:txBody>
+      </p:sp>
+      <p:sp>
+        <p:nvSpPr>
+          <p:cNvPr id="3" name="Content Placeholder 2">
+            <a:extLst>
+              <a:ext uri="{FF2B5EF4-FFF2-40B4-BE49-F238E27FC236}">
+                <a16:creationId xmlns:a16="http://schemas.microsoft.com/office/drawing/2014/main" id="{F67DDC37-6101-BD34-4CBD-910AA65D2FE8}"/>
+              </a:ext>
+            </a:extLst>
+          </p:cNvPr>
+          <p:cNvSpPr>
+            <a:spLocks noGrp="1"/>
+          </p:cNvSpPr>
+          <p:nvPr>
+            <p:ph idx="1"/>
+          </p:nvPr>
+        </p:nvSpPr>
+        <p:spPr>
+          <a:xfrm>
+            <a:off x="1451579" y="1853753"/>
+            <a:ext cx="9603275" cy="4199727"/>
+          </a:xfrm>
+        </p:spPr>
+        <p:txBody>
+          <a:bodyPr>
+            <a:normAutofit lnSpcReduction="10000"/>
+          </a:bodyPr>
+          <a:lstStyle/>
+          <a:p>
+            <a:r>
+              <a:rPr lang="en-US" dirty="0"/>
+              <a:t>Sklearn has gotten much better in the recent version in handling </a:t>
+            </a:r>
+            <a:r>
+              <a:rPr lang="en-US" dirty="0" err="1"/>
+              <a:t>dataframes</a:t>
+            </a:r>
+            <a:r>
+              <a:rPr lang="en-US" dirty="0"/>
+              <a:t> natively. </a:t>
+            </a:r>
+          </a:p>
+          <a:p>
+            <a:r>
+              <a:rPr lang="en-US" dirty="0"/>
+              <a:t>Many/most of the examples have a step to convert to array before the model part. </a:t>
+            </a:r>
+          </a:p>
+          <a:p>
+            <a:pPr lvl="1"/>
+            <a:r>
+              <a:rPr lang="en-US" dirty="0"/>
+              <a:t>I.e. do prep stuff with data in </a:t>
+            </a:r>
+            <a:r>
+              <a:rPr lang="en-US" dirty="0" err="1"/>
+              <a:t>dataframe</a:t>
+            </a:r>
+            <a:r>
+              <a:rPr lang="en-US" dirty="0"/>
+              <a:t>, convert to array, feed to pipeline/model/</a:t>
+            </a:r>
+            <a:r>
+              <a:rPr lang="en-US" dirty="0" err="1"/>
+              <a:t>gridsearch</a:t>
+            </a:r>
+            <a:r>
+              <a:rPr lang="en-US" dirty="0"/>
+              <a:t>. </a:t>
+            </a:r>
+          </a:p>
+          <a:p>
+            <a:pPr lvl="1"/>
+            <a:r>
+              <a:rPr lang="en-US" dirty="0"/>
+              <a:t>You can avoid this more easily now and sklearn will (more often) handle it ok. </a:t>
+            </a:r>
+          </a:p>
+          <a:p>
+            <a:r>
+              <a:rPr lang="en-US" dirty="0"/>
+              <a:t>I generally like the conversion step when learning, it’s a clear delineation. </a:t>
+            </a:r>
+          </a:p>
+          <a:p>
+            <a:pPr lvl="1"/>
+            <a:r>
+              <a:rPr lang="en-US" dirty="0"/>
+              <a:t>All the prep work is done on the </a:t>
+            </a:r>
+            <a:r>
+              <a:rPr lang="en-US" dirty="0" err="1"/>
+              <a:t>dataframe</a:t>
+            </a:r>
+            <a:r>
+              <a:rPr lang="en-US" dirty="0"/>
+              <a:t>, we make the </a:t>
+            </a:r>
+            <a:r>
+              <a:rPr lang="en-US"/>
+              <a:t>conversion when done. </a:t>
+            </a:r>
+            <a:endParaRPr lang="en-US" dirty="0"/>
+          </a:p>
+          <a:p>
+            <a:r>
+              <a:rPr lang="en-US" dirty="0"/>
+              <a:t>The array conversion doesn’t really change anything in functionality. </a:t>
+            </a:r>
+          </a:p>
+          <a:p>
+            <a:pPr lvl="1"/>
+            <a:r>
+              <a:rPr lang="en-US" dirty="0"/>
+              <a:t>The results are the same, and the process is only different in that one or two lines. </a:t>
+            </a:r>
+          </a:p>
+          <a:p>
+            <a:pPr lvl="1"/>
+            <a:r>
+              <a:rPr lang="en-US" dirty="0"/>
+              <a:t>The algorithm does a conversion internally and just obscures it from you. </a:t>
+            </a:r>
+          </a:p>
+          <a:p>
+            <a:pPr lvl="1"/>
+            <a:r>
+              <a:rPr lang="en-US" dirty="0"/>
+              <a:t>When we do neural networks we’ll need to do that conversion (often) again. </a:t>
+            </a:r>
+          </a:p>
+        </p:txBody>
+      </p:sp>
+    </p:spTree>
+    <p:extLst>
+      <p:ext uri="{BB962C8B-B14F-4D97-AF65-F5344CB8AC3E}">
+        <p14:creationId xmlns:p14="http://schemas.microsoft.com/office/powerpoint/2010/main" val="3356818674"/>
+      </p:ext>
+    </p:extLst>
+  </p:cSld>
+  <p:clrMapOvr>
+    <a:masterClrMapping/>
+  </p:clrMapOvr>
+</p:sld>
+</file>
+
+<file path=ppt/slides/slide24.xml><?xml version="1.0" encoding="utf-8"?>
+<p:sld xmlns:a="http://schemas.openxmlformats.org/drawingml/2006/main" xmlns:r="http://schemas.openxmlformats.org/officeDocument/2006/relationships" xmlns:p="http://schemas.openxmlformats.org/presentationml/2006/main">
+  <p:cSld>
+    <p:spTree>
+      <p:nvGrpSpPr>
+        <p:cNvPr id="1" name=""/>
+        <p:cNvGrpSpPr/>
+        <p:nvPr/>
+      </p:nvGrpSpPr>
+      <p:grpSpPr>
+        <a:xfrm>
+          <a:off x="0" y="0"/>
+          <a:ext cx="0" cy="0"/>
+          <a:chOff x="0" y="0"/>
+          <a:chExt cx="0" cy="0"/>
+        </a:xfrm>
+      </p:grpSpPr>
+      <p:sp>
+        <p:nvSpPr>
+          <p:cNvPr id="2" name="Title 1">
+            <a:extLst>
+              <a:ext uri="{FF2B5EF4-FFF2-40B4-BE49-F238E27FC236}">
                 <a16:creationId xmlns:a16="http://schemas.microsoft.com/office/drawing/2014/main" id="{D893490F-BC2C-044B-8523-7C6267DBE75A}"/>
               </a:ext>
             </a:extLst>
@@ -6446,7 +6594,7 @@
 </p:sld>
 </file>
 
-<file path=ppt/slides/slide24.xml><?xml version="1.0" encoding="utf-8"?>
+<file path=ppt/slides/slide25.xml><?xml version="1.0" encoding="utf-8"?>
 <p:sld xmlns:a="http://schemas.openxmlformats.org/drawingml/2006/main" xmlns:r="http://schemas.openxmlformats.org/officeDocument/2006/relationships" xmlns:p="http://schemas.openxmlformats.org/presentationml/2006/main">
   <p:cSld>
     <p:spTree>
@@ -6730,7 +6878,7 @@
 </p:sld>
 </file>
 
-<file path=ppt/slides/slide25.xml><?xml version="1.0" encoding="utf-8"?>
+<file path=ppt/slides/slide26.xml><?xml version="1.0" encoding="utf-8"?>
 <p:sld xmlns:a="http://schemas.openxmlformats.org/drawingml/2006/main" xmlns:r="http://schemas.openxmlformats.org/officeDocument/2006/relationships" xmlns:p="http://schemas.openxmlformats.org/presentationml/2006/main" show="0">
   <p:cSld>
     <p:spTree>
@@ -6885,7 +7033,7 @@
 </p:sld>
 </file>
 
-<file path=ppt/slides/slide26.xml><?xml version="1.0" encoding="utf-8"?>
+<file path=ppt/slides/slide27.xml><?xml version="1.0" encoding="utf-8"?>
 <p:sld xmlns:a="http://schemas.openxmlformats.org/drawingml/2006/main" xmlns:r="http://schemas.openxmlformats.org/officeDocument/2006/relationships" xmlns:p="http://schemas.openxmlformats.org/presentationml/2006/main">
   <p:cSld>
     <p:spTree>
@@ -7111,7 +7259,7 @@
 </p:sld>
 </file>
 
-<file path=ppt/slides/slide27.xml><?xml version="1.0" encoding="utf-8"?>
+<file path=ppt/slides/slide28.xml><?xml version="1.0" encoding="utf-8"?>
 <p:sld xmlns:a="http://schemas.openxmlformats.org/drawingml/2006/main" xmlns:r="http://schemas.openxmlformats.org/officeDocument/2006/relationships" xmlns:p="http://schemas.openxmlformats.org/presentationml/2006/main">
   <p:cSld>
     <p:spTree>
